--- a/Daily Agendas/Day11.4_ComputerNetworking2_Apr19.pptx
+++ b/Daily Agendas/Day11.4_ComputerNetworking2_Apr19.pptx
@@ -6,6 +6,7 @@
   </p:sldMasterIdLst>
   <p:sldIdLst>
     <p:sldId id="256" r:id="rId2"/>
+    <p:sldId id="257" r:id="rId3"/>
   </p:sldIdLst>
   <p:sldSz cx="9144000" cy="6858000" type="screen4x3"/>
   <p:notesSz cx="6858000" cy="9144000"/>
@@ -3077,19 +3078,7 @@
           <a:p>
             <a:r>
               <a:rPr lang="en-US" sz="3600" dirty="0" smtClean="0"/>
-              <a:t>Computer </a:t>
-            </a:r>
-            <a:r>
-              <a:rPr lang="en-US" sz="3600" dirty="0" smtClean="0"/>
-              <a:t>Networking 2  </a:t>
-            </a:r>
-            <a:r>
-              <a:rPr lang="en-US" sz="3600" dirty="0" smtClean="0"/>
-              <a:t>– </a:t>
-            </a:r>
-            <a:r>
-              <a:rPr lang="en-US" sz="3600" dirty="0" smtClean="0"/>
-              <a:t>Apr19</a:t>
+              <a:t>Computer Networking 2  – Apr19</a:t>
             </a:r>
             <a:endParaRPr lang="en-US" sz="3600" dirty="0"/>
           </a:p>
@@ -3129,27 +3118,14 @@
             <a:pPr lvl="2"/>
             <a:r>
               <a:rPr lang="en-CA" dirty="0" smtClean="0"/>
-              <a:t>Work </a:t>
-            </a:r>
+              <a:t>Work On Presentations (Today)</a:t>
+            </a:r>
+          </a:p>
+          <a:p>
+            <a:pPr lvl="2"/>
             <a:r>
               <a:rPr lang="en-CA" dirty="0" smtClean="0"/>
-              <a:t>On Presentations (</a:t>
-            </a:r>
-            <a:r>
-              <a:rPr lang="en-CA" dirty="0" smtClean="0"/>
-              <a:t>Today)</a:t>
-            </a:r>
-            <a:endParaRPr lang="en-CA" dirty="0" smtClean="0"/>
-          </a:p>
-          <a:p>
-            <a:pPr lvl="2"/>
-            <a:r>
-              <a:rPr lang="en-CA" dirty="0" smtClean="0"/>
-              <a:t>Presentations / Answer All Questions </a:t>
-            </a:r>
-            <a:r>
-              <a:rPr lang="en-CA" dirty="0" smtClean="0"/>
-              <a:t>(Tomorrow)</a:t>
+              <a:t>Presentations / Answer All Questions (Tomorrow)</a:t>
             </a:r>
             <a:endParaRPr lang="en-CA" dirty="0"/>
           </a:p>
@@ -3213,6 +3189,134 @@
       </p:par>
     </p:tnLst>
   </p:timing>
+</p:sld>
+</file>
+
+<file path=ppt/slides/slide2.xml><?xml version="1.0" encoding="utf-8"?>
+<p:sld xmlns:a="http://schemas.openxmlformats.org/drawingml/2006/main" xmlns:r="http://schemas.openxmlformats.org/officeDocument/2006/relationships" xmlns:p="http://schemas.openxmlformats.org/presentationml/2006/main">
+  <p:cSld>
+    <p:spTree>
+      <p:nvGrpSpPr>
+        <p:cNvPr id="1" name=""/>
+        <p:cNvGrpSpPr/>
+        <p:nvPr/>
+      </p:nvGrpSpPr>
+      <p:grpSpPr>
+        <a:xfrm>
+          <a:off x="0" y="0"/>
+          <a:ext cx="0" cy="0"/>
+          <a:chOff x="0" y="0"/>
+          <a:chExt cx="0" cy="0"/>
+        </a:xfrm>
+      </p:grpSpPr>
+      <p:sp>
+        <p:nvSpPr>
+          <p:cNvPr id="2" name="Title 1"/>
+          <p:cNvSpPr>
+            <a:spLocks noGrp="1"/>
+          </p:cNvSpPr>
+          <p:nvPr>
+            <p:ph type="title"/>
+          </p:nvPr>
+        </p:nvSpPr>
+        <p:spPr/>
+        <p:txBody>
+          <a:bodyPr/>
+          <a:lstStyle/>
+          <a:p>
+            <a:endParaRPr lang="en-US"/>
+          </a:p>
+        </p:txBody>
+      </p:sp>
+      <p:sp>
+        <p:nvSpPr>
+          <p:cNvPr id="3" name="Content Placeholder 2"/>
+          <p:cNvSpPr>
+            <a:spLocks noGrp="1"/>
+          </p:cNvSpPr>
+          <p:nvPr>
+            <p:ph idx="1"/>
+          </p:nvPr>
+        </p:nvSpPr>
+        <p:spPr/>
+        <p:txBody>
+          <a:bodyPr>
+            <a:normAutofit lnSpcReduction="10000"/>
+          </a:bodyPr>
+          <a:lstStyle/>
+          <a:p>
+            <a:r>
+              <a:rPr lang="en-US" dirty="0">
+                <a:hlinkClick r:id="rId2"/>
+              </a:rPr>
+              <a:t>https://centralops.net/co</a:t>
+            </a:r>
+            <a:r>
+              <a:rPr lang="en-US" dirty="0" smtClean="0">
+                <a:hlinkClick r:id="rId2"/>
+              </a:rPr>
+              <a:t>/</a:t>
+            </a:r>
+            <a:endParaRPr lang="en-US" dirty="0" smtClean="0"/>
+          </a:p>
+          <a:p>
+            <a:endParaRPr lang="en-CA" dirty="0"/>
+          </a:p>
+          <a:p>
+            <a:r>
+              <a:rPr lang="en-CA" dirty="0" err="1" smtClean="0"/>
+              <a:t>Nslookup</a:t>
+            </a:r>
+            <a:endParaRPr lang="en-CA" dirty="0" smtClean="0"/>
+          </a:p>
+          <a:p>
+            <a:pPr lvl="1"/>
+            <a:r>
+              <a:rPr lang="en-CA" dirty="0" smtClean="0"/>
+              <a:t>Convert a web name to a web address</a:t>
+            </a:r>
+          </a:p>
+          <a:p>
+            <a:endParaRPr lang="en-CA" dirty="0"/>
+          </a:p>
+          <a:p>
+            <a:r>
+              <a:rPr lang="en-CA" dirty="0" err="1" smtClean="0"/>
+              <a:t>Traceroute</a:t>
+            </a:r>
+            <a:endParaRPr lang="en-CA" dirty="0" smtClean="0"/>
+          </a:p>
+          <a:p>
+            <a:pPr lvl="1"/>
+            <a:r>
+              <a:rPr lang="en-CA" dirty="0" smtClean="0"/>
+              <a:t>Trace how your messages are routed through the internet</a:t>
+            </a:r>
+          </a:p>
+          <a:p>
+            <a:pPr lvl="1"/>
+            <a:r>
+              <a:rPr lang="en-CA" dirty="0" smtClean="0"/>
+              <a:t>Each hop is a different network router </a:t>
+            </a:r>
+            <a:r>
+              <a:rPr lang="en-CA" smtClean="0"/>
+              <a:t>or switch</a:t>
+            </a:r>
+            <a:endParaRPr lang="en-US" dirty="0"/>
+          </a:p>
+        </p:txBody>
+      </p:sp>
+    </p:spTree>
+    <p:extLst>
+      <p:ext uri="{BB962C8B-B14F-4D97-AF65-F5344CB8AC3E}">
+        <p14:creationId xmlns:p14="http://schemas.microsoft.com/office/powerpoint/2010/main" val="291453892"/>
+      </p:ext>
+    </p:extLst>
+  </p:cSld>
+  <p:clrMapOvr>
+    <a:masterClrMapping/>
+  </p:clrMapOvr>
 </p:sld>
 </file>
 
